--- a/clinical-research-methodology/src/video00-overview.pptx
+++ b/clinical-research-methodology/src/video00-overview.pptx
@@ -33,6 +33,27 @@
     <p:sldId id="281" r:id="rId27"/>
     <p:sldId id="282" r:id="rId28"/>
     <p:sldId id="283" r:id="rId29"/>
+    <p:sldId id="284" r:id="rId30"/>
+    <p:sldId id="285" r:id="rId31"/>
+    <p:sldId id="286" r:id="rId32"/>
+    <p:sldId id="287" r:id="rId33"/>
+    <p:sldId id="288" r:id="rId34"/>
+    <p:sldId id="289" r:id="rId35"/>
+    <p:sldId id="290" r:id="rId36"/>
+    <p:sldId id="291" r:id="rId37"/>
+    <p:sldId id="292" r:id="rId38"/>
+    <p:sldId id="293" r:id="rId39"/>
+    <p:sldId id="294" r:id="rId40"/>
+    <p:sldId id="295" r:id="rId41"/>
+    <p:sldId id="296" r:id="rId42"/>
+    <p:sldId id="297" r:id="rId43"/>
+    <p:sldId id="298" r:id="rId44"/>
+    <p:sldId id="299" r:id="rId45"/>
+    <p:sldId id="300" r:id="rId46"/>
+    <p:sldId id="301" r:id="rId47"/>
+    <p:sldId id="302" r:id="rId48"/>
+    <p:sldId id="303" r:id="rId49"/>
+    <p:sldId id="304" r:id="rId50"/>
   </p:sldIdLst>
   <p:sldSz cx="9144000" cy="6858000" type="screen4x3"/>
   <p:notesSz cx="6858000" cy="9144000"/>
@@ -3368,7 +3389,28 @@
             <a:pPr lvl="2"/>
             <a:r>
               <a:rPr/>
-              <a:t>One section of this class meets on Wednesdays from 1pm to 3:30pm. The other is an online class with no pre-specified meeting times.</a:t>
+              <a:t>MEDB 5510-0002 (14190)</a:t>
+            </a:r>
+          </a:p>
+          <a:p>
+            <a:pPr lvl="2"/>
+            <a:r>
+              <a:rPr/>
+              <a:t>This section of the class has no pre-specified meeting times.</a:t>
+            </a:r>
+          </a:p>
+          <a:p>
+            <a:pPr lvl="2"/>
+            <a:r>
+              <a:rPr/>
+              <a:t>MEDB 5510-0003 (15776)</a:t>
+            </a:r>
+          </a:p>
+          <a:p>
+            <a:pPr lvl="2"/>
+            <a:r>
+              <a:rPr/>
+              <a:t>This section of this class meets on Wednesdays from 1pm to 3:30pm.</a:t>
             </a:r>
           </a:p>
         </p:txBody>
@@ -3445,7 +3487,28 @@
             <a:pPr lvl="2"/>
             <a:r>
               <a:rPr/>
-              <a:t>One section is live lecture. The other is asynchronous online.</a:t>
+              <a:t>MEDB 5510-0002 (14190)</a:t>
+            </a:r>
+          </a:p>
+          <a:p>
+            <a:pPr lvl="2"/>
+            <a:r>
+              <a:rPr/>
+              <a:t>This is an asynchronous format</a:t>
+            </a:r>
+          </a:p>
+          <a:p>
+            <a:pPr lvl="2"/>
+            <a:r>
+              <a:rPr/>
+              <a:t>MEDB 5510-0003 (15776)</a:t>
+            </a:r>
+          </a:p>
+          <a:p>
+            <a:pPr lvl="2"/>
+            <a:r>
+              <a:rPr/>
+              <a:t>This is a live lecture format</a:t>
             </a:r>
           </a:p>
         </p:txBody>
@@ -3522,7 +3585,14 @@
             <a:pPr lvl="2"/>
             <a:r>
               <a:rPr/>
-              <a:t>…</a:t>
+              <a:t>Clinical research has always been critical for the discovery of new knowledge and the development ofnew medications and treatments. Now, clinical research carries an increasingly important role as itcontributes to critical issues facing our health care system. These issues include such things as theidentification of social and individual factors that influence clinical outcomes, determination</a:t>
+            </a:r>
+          </a:p>
+          <a:p>
+            <a:pPr lvl="2"/>
+            <a:r>
+              <a:rPr/>
+              <a:t>Note: Many thanks go to Dr. Mary Gerkoich, who provided an excellent structure and format to this classthat I will be following closely.</a:t>
             </a:r>
           </a:p>
         </p:txBody>
@@ -3599,7 +3669,63 @@
             <a:pPr lvl="2"/>
             <a:r>
               <a:rPr/>
-              <a:t>…</a:t>
+              <a:t>The course will provide students with the foundation for understanding and contributing to clinicalresearch on a variety of topics. The course will cover a range of topics that are essential components ofgood clinical research projects. It will serve as a foundation for subsequent course work for students whoare obtaining a Masterâ€™s or PhD degree and those obtaining the Graduate Certificate</a:t>
+            </a:r>
+          </a:p>
+          <a:p>
+            <a:pPr lvl="2"/>
+            <a:r>
+              <a:rPr/>
+              <a:t>At the end of this course, students will be able to:</a:t>
+            </a:r>
+          </a:p>
+          <a:p>
+            <a:pPr lvl="2"/>
+            <a:r>
+              <a:rPr/>
+              <a:t>Evaluate existing clinical research literature and identify issues and topics for future research.</a:t>
+            </a:r>
+          </a:p>
+          <a:p>
+            <a:pPr lvl="2"/>
+            <a:r>
+              <a:rPr/>
+              <a:t>Develop research questions/hypotheses to address clinical research topics.</a:t>
+            </a:r>
+          </a:p>
+          <a:p>
+            <a:pPr lvl="2"/>
+            <a:r>
+              <a:rPr/>
+              <a:t>Determine an appropriate research design to address a clinical research issue.</a:t>
+            </a:r>
+          </a:p>
+          <a:p>
+            <a:pPr lvl="2"/>
+            <a:r>
+              <a:rPr/>
+              <a:t>Develop methods and materials to conduct clinical research.</a:t>
+            </a:r>
+          </a:p>
+          <a:p>
+            <a:pPr lvl="2"/>
+            <a:r>
+              <a:rPr/>
+              <a:t>Understand issues related to managing data sets.</a:t>
+            </a:r>
+          </a:p>
+          <a:p>
+            <a:pPr lvl="2"/>
+            <a:r>
+              <a:rPr/>
+              <a:t>Select appropriate analysis methods in order to test research questions/hypotheses.</a:t>
+            </a:r>
+          </a:p>
+          <a:p>
+            <a:pPr lvl="2"/>
+            <a:r>
+              <a:rPr/>
+              <a:t>Write a proposal for a research project to address a clinical research issue.</a:t>
             </a:r>
           </a:p>
         </p:txBody>
@@ -3669,7 +3795,14 @@
             <a:pPr lvl="1"/>
             <a:r>
               <a:rPr/>
-              <a:t>Are there Pre-requisites/Co-requisites that are key to my success in this course? + …</a:t>
+              <a:t>Are there Pre-requisites/Co-requisites that are key to my success in this course?</a:t>
+            </a:r>
+          </a:p>
+          <a:p>
+            <a:pPr lvl="2"/>
+            <a:r>
+              <a:rPr/>
+              <a:t>There are no pre-requisites or co-requisites for this course.</a:t>
             </a:r>
           </a:p>
         </p:txBody>
@@ -4505,7 +4638,14 @@
             <a:pPr lvl="2"/>
             <a:r>
               <a:rPr/>
-              <a:t>…</a:t>
+              <a:t>The required textbook for this class is:</a:t>
+            </a:r>
+          </a:p>
+          <a:p>
+            <a:pPr lvl="2"/>
+            <a:r>
+              <a:rPr/>
+              <a:t>Gliner JA, Morgan GA, Leech NL. Research Methods in Applied Settings: An Integrated Approach toDesign and Analysis. 3rd ed. New York: Routledge, Taylor &amp; Francis Group; 2017.</a:t>
             </a:r>
           </a:p>
         </p:txBody>
@@ -4666,7 +4806,108 @@
             <a:pPr lvl="2"/>
             <a:r>
               <a:rPr/>
-              <a:t>This course is …</a:t>
+              <a:t>The studentâ€™s grade for the class will be based on the percentage of possible points the student hasearned (rounded up to the next percentage point). A letter grade will be assigned based on the followingscale:</a:t>
+            </a:r>
+          </a:p>
+          <a:p>
+            <a:pPr lvl="2"/>
+            <a:r>
+              <a:rPr/>
+              <a:t>94 to 100, A</a:t>
+            </a:r>
+          </a:p>
+          <a:p>
+            <a:pPr lvl="2"/>
+            <a:r>
+              <a:rPr/>
+              <a:t>90 to 93, A-</a:t>
+            </a:r>
+          </a:p>
+          <a:p>
+            <a:pPr lvl="2"/>
+            <a:r>
+              <a:rPr/>
+              <a:t>86 to 89, B+</a:t>
+            </a:r>
+          </a:p>
+          <a:p>
+            <a:pPr lvl="2"/>
+            <a:r>
+              <a:rPr/>
+              <a:t>83 to 85, B</a:t>
+            </a:r>
+          </a:p>
+          <a:p>
+            <a:pPr lvl="2"/>
+            <a:r>
+              <a:rPr/>
+              <a:t>80 to 82, B-</a:t>
+            </a:r>
+          </a:p>
+          <a:p>
+            <a:pPr lvl="2"/>
+            <a:r>
+              <a:rPr/>
+              <a:t>76 to 79, C+</a:t>
+            </a:r>
+          </a:p>
+          <a:p>
+            <a:pPr lvl="2"/>
+            <a:r>
+              <a:rPr/>
+              <a:t>73 to 76, C</a:t>
+            </a:r>
+          </a:p>
+          <a:p>
+            <a:pPr lvl="2"/>
+            <a:r>
+              <a:rPr/>
+              <a:t>70 to 73, C-</a:t>
+            </a:r>
+          </a:p>
+          <a:p>
+            <a:pPr lvl="2"/>
+            <a:r>
+              <a:rPr/>
+              <a:t>66 to 69, D+</a:t>
+            </a:r>
+          </a:p>
+          <a:p>
+            <a:pPr lvl="2"/>
+            <a:r>
+              <a:rPr/>
+              <a:t>63 to 65, D</a:t>
+            </a:r>
+          </a:p>
+          <a:p>
+            <a:pPr lvl="2"/>
+            <a:r>
+              <a:rPr/>
+              <a:t>60 to 62, D-</a:t>
+            </a:r>
+          </a:p>
+          <a:p>
+            <a:pPr lvl="2"/>
+            <a:r>
+              <a:rPr/>
+              <a:t>under 60, F</a:t>
+            </a:r>
+          </a:p>
+          <a:p>
+            <a:pPr lvl="2"/>
+            <a:r>
+              <a:rPr/>
+              <a:t>If a student feels that he/she has been unfairly graded, information on the appeal process can be found in the </a:t>
+            </a:r>
+            <a:r>
+              <a:rPr>
+                <a:hlinkClick r:id="rId2"/>
+              </a:rPr>
+              <a:t>academic regulations information</a:t>
+            </a:r>
+            <a:r>
+              <a:rPr/>
+              <a:t>. .</a:t>
             </a:r>
           </a:p>
         </p:txBody>
@@ -4746,6 +4987,25 @@
               <a:t>This is no final exam. Your final project needs to be completed prior to the last day of classes (2021-05-07, Friday).</a:t>
             </a:r>
           </a:p>
+          <a:p>
+            <a:pPr lvl="0" marL="0" indent="0">
+              <a:buNone/>
+            </a:pPr>
+            <a:r>
+              <a:rPr/>
+              <a:t>Assignments are still being finalized but will be available soon in the </a:t>
+            </a:r>
+            <a:r>
+              <a:rPr>
+                <a:hlinkClick r:id="rId2"/>
+              </a:rPr>
+              <a:t>course overview</a:t>
+            </a:r>
+            <a:r>
+              <a:rPr/>
+              <a:t> for details on individual assignments.</a:t>
+            </a:r>
+          </a:p>
         </p:txBody>
       </p:sp>
     </p:spTree>
@@ -4813,26 +5073,119 @@
             <a:pPr lvl="1"/>
             <a:r>
               <a:rPr/>
-              <a:t>Module01</a:t>
-            </a:r>
-          </a:p>
+              <a:t>Module01, Overview of research, Learning objectives</a:t>
+            </a:r>
+          </a:p>
+          <a:p>
+            <a:pPr lvl="2"/>
+            <a:r>
+              <a:rPr/>
+              <a:t>To describe the variety of research that can be conducted while doing clinical research.</a:t>
+            </a:r>
+          </a:p>
+          <a:p>
+            <a:pPr lvl="2"/>
+            <a:r>
+              <a:rPr/>
+              <a:t>To describe what is needed in order to identify and define a research question that could be the basis for a research project.</a:t>
+            </a:r>
+          </a:p>
+          <a:p>
+            <a:pPr lvl="2"/>
+            <a:r>
+              <a:rPr/>
+              <a:t>To learn what is expected in terms of professional ethics and ethical research with humans.</a:t>
+            </a:r>
+          </a:p>
+        </p:txBody>
+      </p:sp>
+    </p:spTree>
+  </p:cSld>
+</p:sld>
+</file>
+
+<file path=ppt/slides/slide29.xml><?xml version="1.0" encoding="utf-8"?>
+<p:sld xmlns:a="http://schemas.openxmlformats.org/drawingml/2006/main" xmlns:r="http://schemas.openxmlformats.org/officeDocument/2006/relationships" xmlns:p="http://schemas.openxmlformats.org/presentationml/2006/main">
+  <p:cSld>
+    <p:spTree>
+      <p:nvGrpSpPr>
+        <p:cNvPr id="1" name=""/>
+        <p:cNvGrpSpPr/>
+        <p:nvPr/>
+      </p:nvGrpSpPr>
+      <p:grpSpPr>
+        <a:xfrm>
+          <a:off x="0" y="0"/>
+          <a:ext cx="0" cy="0"/>
+          <a:chOff x="0" y="0"/>
+          <a:chExt cx="0" cy="0"/>
+        </a:xfrm>
+      </p:grpSpPr>
+      <p:sp>
+        <p:nvSpPr>
+          <p:cNvPr id="2" name="Title 1"/>
+          <p:cNvSpPr>
+            <a:spLocks noGrp="1"/>
+          </p:cNvSpPr>
+          <p:nvPr>
+            <p:ph type="title"/>
+          </p:nvPr>
+        </p:nvSpPr>
+        <p:spPr/>
+        <p:txBody>
+          <a:bodyPr/>
+          <a:lstStyle/>
           <a:p>
             <a:pPr lvl="0" marL="0" indent="0">
               <a:buNone/>
             </a:pPr>
             <a:r>
               <a:rPr/>
-              <a:t>Assignments are still being finalized but will be available soon in the </a:t>
-            </a:r>
-            <a:r>
-              <a:rPr>
-                <a:hlinkClick r:id="rId2"/>
-              </a:rPr>
-              <a:t>course overview</a:t>
-            </a:r>
-            <a:r>
-              <a:rPr/>
-              <a:t> for details on individual assignments.</a:t>
+              <a:t>Syllabus</a:t>
+            </a:r>
+          </a:p>
+        </p:txBody>
+      </p:sp>
+      <p:sp>
+        <p:nvSpPr>
+          <p:cNvPr id="3" name="Content Placeholder 2"/>
+          <p:cNvSpPr>
+            <a:spLocks noGrp="1"/>
+          </p:cNvSpPr>
+          <p:nvPr>
+            <p:ph idx="1"/>
+          </p:nvPr>
+        </p:nvSpPr>
+        <p:spPr/>
+        <p:txBody>
+          <a:bodyPr/>
+          <a:lstStyle/>
+          <a:p>
+            <a:pPr lvl="1"/>
+            <a:r>
+              <a:rPr/>
+              <a:t>Module02, Planning and ethical conduct of research, Learning objectives</a:t>
+            </a:r>
+          </a:p>
+          <a:p>
+            <a:pPr lvl="2"/>
+            <a:r>
+              <a:rPr/>
+              <a:t>To describe the variety of research that can be conducted while doing clinical research.</a:t>
+            </a:r>
+          </a:p>
+          <a:p>
+            <a:pPr lvl="2"/>
+            <a:r>
+              <a:rPr/>
+              <a:t>To describe what is needed in order to identify and define a research question that could be the basis for a research project.</a:t>
+            </a:r>
+          </a:p>
+          <a:p>
+            <a:pPr lvl="2"/>
+            <a:r>
+              <a:rPr/>
+              <a:t>To learn what is expected in terms of professional ethics and ethical research with humans.</a:t>
             </a:r>
           </a:p>
         </p:txBody>
@@ -4919,6 +5272,913 @@
 </p:sld>
 </file>
 
+<file path=ppt/slides/slide30.xml><?xml version="1.0" encoding="utf-8"?>
+<p:sld xmlns:a="http://schemas.openxmlformats.org/drawingml/2006/main" xmlns:r="http://schemas.openxmlformats.org/officeDocument/2006/relationships" xmlns:p="http://schemas.openxmlformats.org/presentationml/2006/main">
+  <p:cSld>
+    <p:spTree>
+      <p:nvGrpSpPr>
+        <p:cNvPr id="1" name=""/>
+        <p:cNvGrpSpPr/>
+        <p:nvPr/>
+      </p:nvGrpSpPr>
+      <p:grpSpPr>
+        <a:xfrm>
+          <a:off x="0" y="0"/>
+          <a:ext cx="0" cy="0"/>
+          <a:chOff x="0" y="0"/>
+          <a:chExt cx="0" cy="0"/>
+        </a:xfrm>
+      </p:grpSpPr>
+      <p:sp>
+        <p:nvSpPr>
+          <p:cNvPr id="2" name="Title 1"/>
+          <p:cNvSpPr>
+            <a:spLocks noGrp="1"/>
+          </p:cNvSpPr>
+          <p:nvPr>
+            <p:ph type="title"/>
+          </p:nvPr>
+        </p:nvSpPr>
+        <p:spPr/>
+        <p:txBody>
+          <a:bodyPr/>
+          <a:lstStyle/>
+          <a:p>
+            <a:pPr lvl="0" marL="0" indent="0">
+              <a:buNone/>
+            </a:pPr>
+            <a:r>
+              <a:rPr/>
+              <a:t>Syllabus</a:t>
+            </a:r>
+          </a:p>
+        </p:txBody>
+      </p:sp>
+      <p:sp>
+        <p:nvSpPr>
+          <p:cNvPr id="3" name="Content Placeholder 2"/>
+          <p:cNvSpPr>
+            <a:spLocks noGrp="1"/>
+          </p:cNvSpPr>
+          <p:nvPr>
+            <p:ph idx="1"/>
+          </p:nvPr>
+        </p:nvSpPr>
+        <p:spPr/>
+        <p:txBody>
+          <a:bodyPr/>
+          <a:lstStyle/>
+          <a:p>
+            <a:pPr lvl="1"/>
+            <a:r>
+              <a:rPr/>
+              <a:t>Module03, Writing a literature review, Learning objectives</a:t>
+            </a:r>
+          </a:p>
+          <a:p>
+            <a:pPr lvl="1">
+              <a:buAutoNum type="arabicPeriod"/>
+            </a:pPr>
+            <a:r>
+              <a:rPr/>
+              <a:t>To define what a literature review is and to contrast it with an annotated bibliography and a systematic overview.</a:t>
+            </a:r>
+          </a:p>
+          <a:p>
+            <a:pPr lvl="1">
+              <a:buAutoNum type="arabicPeriod"/>
+            </a:pPr>
+            <a:r>
+              <a:rPr/>
+              <a:t>To recognize the different approaches to organizing a literature review.</a:t>
+            </a:r>
+          </a:p>
+        </p:txBody>
+      </p:sp>
+    </p:spTree>
+  </p:cSld>
+</p:sld>
+</file>
+
+<file path=ppt/slides/slide31.xml><?xml version="1.0" encoding="utf-8"?>
+<p:sld xmlns:a="http://schemas.openxmlformats.org/drawingml/2006/main" xmlns:r="http://schemas.openxmlformats.org/officeDocument/2006/relationships" xmlns:p="http://schemas.openxmlformats.org/presentationml/2006/main">
+  <p:cSld>
+    <p:spTree>
+      <p:nvGrpSpPr>
+        <p:cNvPr id="1" name=""/>
+        <p:cNvGrpSpPr/>
+        <p:nvPr/>
+      </p:nvGrpSpPr>
+      <p:grpSpPr>
+        <a:xfrm>
+          <a:off x="0" y="0"/>
+          <a:ext cx="0" cy="0"/>
+          <a:chOff x="0" y="0"/>
+          <a:chExt cx="0" cy="0"/>
+        </a:xfrm>
+      </p:grpSpPr>
+      <p:sp>
+        <p:nvSpPr>
+          <p:cNvPr id="2" name="Title 1"/>
+          <p:cNvSpPr>
+            <a:spLocks noGrp="1"/>
+          </p:cNvSpPr>
+          <p:nvPr>
+            <p:ph type="title"/>
+          </p:nvPr>
+        </p:nvSpPr>
+        <p:spPr/>
+        <p:txBody>
+          <a:bodyPr/>
+          <a:lstStyle/>
+          <a:p>
+            <a:pPr lvl="0" marL="0" indent="0">
+              <a:buNone/>
+            </a:pPr>
+            <a:r>
+              <a:rPr/>
+              <a:t>Syllabus</a:t>
+            </a:r>
+          </a:p>
+        </p:txBody>
+      </p:sp>
+      <p:sp>
+        <p:nvSpPr>
+          <p:cNvPr id="3" name="Content Placeholder 2"/>
+          <p:cNvSpPr>
+            <a:spLocks noGrp="1"/>
+          </p:cNvSpPr>
+          <p:nvPr>
+            <p:ph idx="1"/>
+          </p:nvPr>
+        </p:nvSpPr>
+        <p:spPr/>
+        <p:txBody>
+          <a:bodyPr/>
+          <a:lstStyle/>
+          <a:p>
+            <a:pPr lvl="1"/>
+            <a:r>
+              <a:rPr/>
+              <a:t>Module04, Randomized trials, Learning objectives</a:t>
+            </a:r>
+          </a:p>
+          <a:p>
+            <a:pPr lvl="1">
+              <a:buAutoNum type="arabicPeriod"/>
+            </a:pPr>
+            <a:r>
+              <a:rPr/>
+              <a:t>To define what a randomized study is and explain its advantages and disadvantages.</a:t>
+            </a:r>
+          </a:p>
+          <a:p>
+            <a:pPr lvl="1">
+              <a:buAutoNum type="arabicPeriod"/>
+            </a:pPr>
+            <a:r>
+              <a:rPr/>
+              <a:t>To describe how blinding, concealed allocation, and intention to treat analysis can improve the persuasiveness of a randomized trial.</a:t>
+            </a:r>
+          </a:p>
+        </p:txBody>
+      </p:sp>
+    </p:spTree>
+  </p:cSld>
+</p:sld>
+</file>
+
+<file path=ppt/slides/slide32.xml><?xml version="1.0" encoding="utf-8"?>
+<p:sld xmlns:a="http://schemas.openxmlformats.org/drawingml/2006/main" xmlns:r="http://schemas.openxmlformats.org/officeDocument/2006/relationships" xmlns:p="http://schemas.openxmlformats.org/presentationml/2006/main">
+  <p:cSld>
+    <p:spTree>
+      <p:nvGrpSpPr>
+        <p:cNvPr id="1" name=""/>
+        <p:cNvGrpSpPr/>
+        <p:nvPr/>
+      </p:nvGrpSpPr>
+      <p:grpSpPr>
+        <a:xfrm>
+          <a:off x="0" y="0"/>
+          <a:ext cx="0" cy="0"/>
+          <a:chOff x="0" y="0"/>
+          <a:chExt cx="0" cy="0"/>
+        </a:xfrm>
+      </p:grpSpPr>
+      <p:sp>
+        <p:nvSpPr>
+          <p:cNvPr id="2" name="Title 1"/>
+          <p:cNvSpPr>
+            <a:spLocks noGrp="1"/>
+          </p:cNvSpPr>
+          <p:nvPr>
+            <p:ph type="title"/>
+          </p:nvPr>
+        </p:nvSpPr>
+        <p:spPr/>
+        <p:txBody>
+          <a:bodyPr/>
+          <a:lstStyle/>
+          <a:p>
+            <a:pPr lvl="0" marL="0" indent="0">
+              <a:buNone/>
+            </a:pPr>
+            <a:r>
+              <a:rPr/>
+              <a:t>Syllabus</a:t>
+            </a:r>
+          </a:p>
+        </p:txBody>
+      </p:sp>
+      <p:sp>
+        <p:nvSpPr>
+          <p:cNvPr id="3" name="Content Placeholder 2"/>
+          <p:cNvSpPr>
+            <a:spLocks noGrp="1"/>
+          </p:cNvSpPr>
+          <p:nvPr>
+            <p:ph idx="1"/>
+          </p:nvPr>
+        </p:nvSpPr>
+        <p:spPr/>
+        <p:txBody>
+          <a:bodyPr/>
+          <a:lstStyle/>
+          <a:p>
+            <a:pPr lvl="1"/>
+            <a:r>
+              <a:rPr/>
+              <a:t>Module05, Quasi-experimental designs, Learning objectives</a:t>
+            </a:r>
+          </a:p>
+          <a:p>
+            <a:pPr lvl="1">
+              <a:buAutoNum type="arabicPeriod"/>
+            </a:pPr>
+            <a:r>
+              <a:rPr/>
+              <a:t>To contrast the features of a quality improvement study with a research study</a:t>
+            </a:r>
+          </a:p>
+          <a:p>
+            <a:pPr lvl="1">
+              <a:buAutoNum type="arabicPeriod"/>
+            </a:pPr>
+            <a:r>
+              <a:rPr/>
+              <a:t>To describe the various quasi-experimental approaches</a:t>
+            </a:r>
+          </a:p>
+        </p:txBody>
+      </p:sp>
+    </p:spTree>
+  </p:cSld>
+</p:sld>
+</file>
+
+<file path=ppt/slides/slide33.xml><?xml version="1.0" encoding="utf-8"?>
+<p:sld xmlns:a="http://schemas.openxmlformats.org/drawingml/2006/main" xmlns:r="http://schemas.openxmlformats.org/officeDocument/2006/relationships" xmlns:p="http://schemas.openxmlformats.org/presentationml/2006/main">
+  <p:cSld>
+    <p:spTree>
+      <p:nvGrpSpPr>
+        <p:cNvPr id="1" name=""/>
+        <p:cNvGrpSpPr/>
+        <p:nvPr/>
+      </p:nvGrpSpPr>
+      <p:grpSpPr>
+        <a:xfrm>
+          <a:off x="0" y="0"/>
+          <a:ext cx="0" cy="0"/>
+          <a:chOff x="0" y="0"/>
+          <a:chExt cx="0" cy="0"/>
+        </a:xfrm>
+      </p:grpSpPr>
+      <p:sp>
+        <p:nvSpPr>
+          <p:cNvPr id="2" name="Title 1"/>
+          <p:cNvSpPr>
+            <a:spLocks noGrp="1"/>
+          </p:cNvSpPr>
+          <p:nvPr>
+            <p:ph type="title"/>
+          </p:nvPr>
+        </p:nvSpPr>
+        <p:spPr/>
+        <p:txBody>
+          <a:bodyPr/>
+          <a:lstStyle/>
+          <a:p>
+            <a:pPr lvl="0" marL="0" indent="0">
+              <a:buNone/>
+            </a:pPr>
+            <a:r>
+              <a:rPr/>
+              <a:t>Syllabus</a:t>
+            </a:r>
+          </a:p>
+        </p:txBody>
+      </p:sp>
+      <p:sp>
+        <p:nvSpPr>
+          <p:cNvPr id="3" name="Content Placeholder 2"/>
+          <p:cNvSpPr>
+            <a:spLocks noGrp="1"/>
+          </p:cNvSpPr>
+          <p:nvPr>
+            <p:ph idx="1"/>
+          </p:nvPr>
+        </p:nvSpPr>
+        <p:spPr/>
+        <p:txBody>
+          <a:bodyPr/>
+          <a:lstStyle/>
+          <a:p>
+            <a:pPr lvl="1"/>
+            <a:r>
+              <a:rPr/>
+              <a:t>Module06, Observational studies, Learning objectives</a:t>
+            </a:r>
+          </a:p>
+          <a:p>
+            <a:pPr lvl="1">
+              <a:buAutoNum type="arabicPeriod"/>
+            </a:pPr>
+            <a:r>
+              <a:rPr/>
+              <a:t>To distinguish different types of quantitative non-experimental approaches</a:t>
+            </a:r>
+          </a:p>
+          <a:p>
+            <a:pPr lvl="1">
+              <a:buAutoNum type="arabicPeriod"/>
+            </a:pPr>
+            <a:r>
+              <a:rPr/>
+              <a:t>To discuss strengths and weaknesses of qualitative research</a:t>
+            </a:r>
+          </a:p>
+        </p:txBody>
+      </p:sp>
+    </p:spTree>
+  </p:cSld>
+</p:sld>
+</file>
+
+<file path=ppt/slides/slide34.xml><?xml version="1.0" encoding="utf-8"?>
+<p:sld xmlns:a="http://schemas.openxmlformats.org/drawingml/2006/main" xmlns:r="http://schemas.openxmlformats.org/officeDocument/2006/relationships" xmlns:p="http://schemas.openxmlformats.org/presentationml/2006/main">
+  <p:cSld>
+    <p:spTree>
+      <p:nvGrpSpPr>
+        <p:cNvPr id="1" name=""/>
+        <p:cNvGrpSpPr/>
+        <p:nvPr/>
+      </p:nvGrpSpPr>
+      <p:grpSpPr>
+        <a:xfrm>
+          <a:off x="0" y="0"/>
+          <a:ext cx="0" cy="0"/>
+          <a:chOff x="0" y="0"/>
+          <a:chExt cx="0" cy="0"/>
+        </a:xfrm>
+      </p:grpSpPr>
+      <p:sp>
+        <p:nvSpPr>
+          <p:cNvPr id="2" name="Title 1"/>
+          <p:cNvSpPr>
+            <a:spLocks noGrp="1"/>
+          </p:cNvSpPr>
+          <p:nvPr>
+            <p:ph type="title"/>
+          </p:nvPr>
+        </p:nvSpPr>
+        <p:spPr/>
+        <p:txBody>
+          <a:bodyPr/>
+          <a:lstStyle/>
+          <a:p>
+            <a:pPr lvl="0" marL="0" indent="0">
+              <a:buNone/>
+            </a:pPr>
+            <a:r>
+              <a:rPr/>
+              <a:t>Syllabus</a:t>
+            </a:r>
+          </a:p>
+        </p:txBody>
+      </p:sp>
+      <p:sp>
+        <p:nvSpPr>
+          <p:cNvPr id="3" name="Content Placeholder 2"/>
+          <p:cNvSpPr>
+            <a:spLocks noGrp="1"/>
+          </p:cNvSpPr>
+          <p:nvPr>
+            <p:ph idx="1"/>
+          </p:nvPr>
+        </p:nvSpPr>
+        <p:spPr/>
+        <p:txBody>
+          <a:bodyPr/>
+          <a:lstStyle/>
+          <a:p>
+            <a:pPr lvl="1"/>
+            <a:r>
+              <a:rPr/>
+              <a:t>Module07, Review, Learning objectives</a:t>
+            </a:r>
+          </a:p>
+          <a:p>
+            <a:pPr lvl="1">
+              <a:buAutoNum type="arabicPeriod"/>
+            </a:pPr>
+            <a:r>
+              <a:rPr/>
+              <a:t>To understand the format of a thesis</a:t>
+            </a:r>
+          </a:p>
+          <a:p>
+            <a:pPr lvl="1">
+              <a:buAutoNum type="arabicPeriod"/>
+            </a:pPr>
+            <a:r>
+              <a:rPr/>
+              <a:t>To prepare a bibliography using a consistent standard</a:t>
+            </a:r>
+          </a:p>
+        </p:txBody>
+      </p:sp>
+    </p:spTree>
+  </p:cSld>
+</p:sld>
+</file>
+
+<file path=ppt/slides/slide35.xml><?xml version="1.0" encoding="utf-8"?>
+<p:sld xmlns:a="http://schemas.openxmlformats.org/drawingml/2006/main" xmlns:r="http://schemas.openxmlformats.org/officeDocument/2006/relationships" xmlns:p="http://schemas.openxmlformats.org/presentationml/2006/main">
+  <p:cSld>
+    <p:spTree>
+      <p:nvGrpSpPr>
+        <p:cNvPr id="1" name=""/>
+        <p:cNvGrpSpPr/>
+        <p:nvPr/>
+      </p:nvGrpSpPr>
+      <p:grpSpPr>
+        <a:xfrm>
+          <a:off x="0" y="0"/>
+          <a:ext cx="0" cy="0"/>
+          <a:chOff x="0" y="0"/>
+          <a:chExt cx="0" cy="0"/>
+        </a:xfrm>
+      </p:grpSpPr>
+      <p:sp>
+        <p:nvSpPr>
+          <p:cNvPr id="2" name="Title 1"/>
+          <p:cNvSpPr>
+            <a:spLocks noGrp="1"/>
+          </p:cNvSpPr>
+          <p:nvPr>
+            <p:ph type="title"/>
+          </p:nvPr>
+        </p:nvSpPr>
+        <p:spPr/>
+        <p:txBody>
+          <a:bodyPr/>
+          <a:lstStyle/>
+          <a:p>
+            <a:pPr lvl="0" marL="0" indent="0">
+              <a:buNone/>
+            </a:pPr>
+            <a:r>
+              <a:rPr/>
+              <a:t>Syllabus</a:t>
+            </a:r>
+          </a:p>
+        </p:txBody>
+      </p:sp>
+      <p:sp>
+        <p:nvSpPr>
+          <p:cNvPr id="3" name="Content Placeholder 2"/>
+          <p:cNvSpPr>
+            <a:spLocks noGrp="1"/>
+          </p:cNvSpPr>
+          <p:nvPr>
+            <p:ph idx="1"/>
+          </p:nvPr>
+        </p:nvSpPr>
+        <p:spPr/>
+        <p:txBody>
+          <a:bodyPr/>
+          <a:lstStyle/>
+          <a:p>
+            <a:pPr lvl="1"/>
+            <a:r>
+              <a:rPr/>
+              <a:t>Module08, Sampling designs</a:t>
+            </a:r>
+          </a:p>
+          <a:p>
+            <a:pPr lvl="1">
+              <a:buAutoNum type="arabicPeriod"/>
+            </a:pPr>
+            <a:r>
+              <a:rPr/>
+              <a:t>To describe different approaches to probability sampling</a:t>
+            </a:r>
+          </a:p>
+          <a:p>
+            <a:pPr lvl="1">
+              <a:buAutoNum type="arabicPeriod"/>
+            </a:pPr>
+            <a:r>
+              <a:rPr/>
+              <a:t>To discuss advantages and disadvantages of non-probability samples</a:t>
+            </a:r>
+          </a:p>
+        </p:txBody>
+      </p:sp>
+    </p:spTree>
+  </p:cSld>
+</p:sld>
+</file>
+
+<file path=ppt/slides/slide36.xml><?xml version="1.0" encoding="utf-8"?>
+<p:sld xmlns:a="http://schemas.openxmlformats.org/drawingml/2006/main" xmlns:r="http://schemas.openxmlformats.org/officeDocument/2006/relationships" xmlns:p="http://schemas.openxmlformats.org/presentationml/2006/main">
+  <p:cSld>
+    <p:spTree>
+      <p:nvGrpSpPr>
+        <p:cNvPr id="1" name=""/>
+        <p:cNvGrpSpPr/>
+        <p:nvPr/>
+      </p:nvGrpSpPr>
+      <p:grpSpPr>
+        <a:xfrm>
+          <a:off x="0" y="0"/>
+          <a:ext cx="0" cy="0"/>
+          <a:chOff x="0" y="0"/>
+          <a:chExt cx="0" cy="0"/>
+        </a:xfrm>
+      </p:grpSpPr>
+      <p:sp>
+        <p:nvSpPr>
+          <p:cNvPr id="2" name="Title 1"/>
+          <p:cNvSpPr>
+            <a:spLocks noGrp="1"/>
+          </p:cNvSpPr>
+          <p:nvPr>
+            <p:ph type="title"/>
+          </p:nvPr>
+        </p:nvSpPr>
+        <p:spPr/>
+        <p:txBody>
+          <a:bodyPr/>
+          <a:lstStyle/>
+          <a:p>
+            <a:pPr lvl="0" marL="0" indent="0">
+              <a:buNone/>
+            </a:pPr>
+            <a:r>
+              <a:rPr/>
+              <a:t>Syllabus</a:t>
+            </a:r>
+          </a:p>
+        </p:txBody>
+      </p:sp>
+      <p:sp>
+        <p:nvSpPr>
+          <p:cNvPr id="3" name="Content Placeholder 2"/>
+          <p:cNvSpPr>
+            <a:spLocks noGrp="1"/>
+          </p:cNvSpPr>
+          <p:nvPr>
+            <p:ph idx="1"/>
+          </p:nvPr>
+        </p:nvSpPr>
+        <p:spPr/>
+        <p:txBody>
+          <a:bodyPr/>
+          <a:lstStyle/>
+          <a:p>
+            <a:pPr lvl="1"/>
+            <a:r>
+              <a:rPr/>
+              <a:t>Module09, Validity and reliability, Learning objectives</a:t>
+            </a:r>
+          </a:p>
+          <a:p>
+            <a:pPr lvl="1">
+              <a:buAutoNum type="arabicPeriod"/>
+            </a:pPr>
+            <a:r>
+              <a:rPr/>
+              <a:t>To understand when test-retest reliability and interrater reliability can be used.</a:t>
+            </a:r>
+          </a:p>
+          <a:p>
+            <a:pPr lvl="1">
+              <a:buAutoNum type="arabicPeriod"/>
+            </a:pPr>
+            <a:r>
+              <a:rPr/>
+              <a:t>To describe the process by which you can establish face and content validity.</a:t>
+            </a:r>
+          </a:p>
+        </p:txBody>
+      </p:sp>
+    </p:spTree>
+  </p:cSld>
+</p:sld>
+</file>
+
+<file path=ppt/slides/slide37.xml><?xml version="1.0" encoding="utf-8"?>
+<p:sld xmlns:a="http://schemas.openxmlformats.org/drawingml/2006/main" xmlns:r="http://schemas.openxmlformats.org/officeDocument/2006/relationships" xmlns:p="http://schemas.openxmlformats.org/presentationml/2006/main">
+  <p:cSld>
+    <p:spTree>
+      <p:nvGrpSpPr>
+        <p:cNvPr id="1" name=""/>
+        <p:cNvGrpSpPr/>
+        <p:nvPr/>
+      </p:nvGrpSpPr>
+      <p:grpSpPr>
+        <a:xfrm>
+          <a:off x="0" y="0"/>
+          <a:ext cx="0" cy="0"/>
+          <a:chOff x="0" y="0"/>
+          <a:chExt cx="0" cy="0"/>
+        </a:xfrm>
+      </p:grpSpPr>
+      <p:sp>
+        <p:nvSpPr>
+          <p:cNvPr id="2" name="Title 1"/>
+          <p:cNvSpPr>
+            <a:spLocks noGrp="1"/>
+          </p:cNvSpPr>
+          <p:nvPr>
+            <p:ph type="title"/>
+          </p:nvPr>
+        </p:nvSpPr>
+        <p:spPr/>
+        <p:txBody>
+          <a:bodyPr/>
+          <a:lstStyle/>
+          <a:p>
+            <a:pPr lvl="0" marL="0" indent="0">
+              <a:buNone/>
+            </a:pPr>
+            <a:r>
+              <a:rPr/>
+              <a:t>Syllabus</a:t>
+            </a:r>
+          </a:p>
+        </p:txBody>
+      </p:sp>
+      <p:sp>
+        <p:nvSpPr>
+          <p:cNvPr id="3" name="Content Placeholder 2"/>
+          <p:cNvSpPr>
+            <a:spLocks noGrp="1"/>
+          </p:cNvSpPr>
+          <p:nvPr>
+            <p:ph idx="1"/>
+          </p:nvPr>
+        </p:nvSpPr>
+        <p:spPr/>
+        <p:txBody>
+          <a:bodyPr/>
+          <a:lstStyle/>
+          <a:p>
+            <a:pPr lvl="1"/>
+            <a:r>
+              <a:rPr/>
+              <a:t>Module10, Data collection, Learning objectives</a:t>
+            </a:r>
+          </a:p>
+          <a:p>
+            <a:pPr lvl="1">
+              <a:buAutoNum type="arabicPeriod"/>
+            </a:pPr>
+            <a:r>
+              <a:rPr/>
+              <a:t>To describe the resources needed to conduct focus groups or a series of interviews.</a:t>
+            </a:r>
+          </a:p>
+          <a:p>
+            <a:pPr lvl="1">
+              <a:buAutoNum type="arabicPeriod"/>
+            </a:pPr>
+            <a:r>
+              <a:rPr/>
+              <a:t>To develop strategies for putting together a questionnaire.</a:t>
+            </a:r>
+          </a:p>
+          <a:p>
+            <a:pPr lvl="1">
+              <a:buAutoNum type="arabicPeriod"/>
+            </a:pPr>
+            <a:r>
+              <a:rPr/>
+              <a:t>To recognize the special issues associated with secondary data sources.</a:t>
+            </a:r>
+          </a:p>
+        </p:txBody>
+      </p:sp>
+    </p:spTree>
+  </p:cSld>
+</p:sld>
+</file>
+
+<file path=ppt/slides/slide38.xml><?xml version="1.0" encoding="utf-8"?>
+<p:sld xmlns:a="http://schemas.openxmlformats.org/drawingml/2006/main" xmlns:r="http://schemas.openxmlformats.org/officeDocument/2006/relationships" xmlns:p="http://schemas.openxmlformats.org/presentationml/2006/main">
+  <p:cSld>
+    <p:spTree>
+      <p:nvGrpSpPr>
+        <p:cNvPr id="1" name=""/>
+        <p:cNvGrpSpPr/>
+        <p:nvPr/>
+      </p:nvGrpSpPr>
+      <p:grpSpPr>
+        <a:xfrm>
+          <a:off x="0" y="0"/>
+          <a:ext cx="0" cy="0"/>
+          <a:chOff x="0" y="0"/>
+          <a:chExt cx="0" cy="0"/>
+        </a:xfrm>
+      </p:grpSpPr>
+      <p:sp>
+        <p:nvSpPr>
+          <p:cNvPr id="2" name="Title 1"/>
+          <p:cNvSpPr>
+            <a:spLocks noGrp="1"/>
+          </p:cNvSpPr>
+          <p:nvPr>
+            <p:ph type="title"/>
+          </p:nvPr>
+        </p:nvSpPr>
+        <p:spPr/>
+        <p:txBody>
+          <a:bodyPr/>
+          <a:lstStyle/>
+          <a:p>
+            <a:pPr lvl="0" marL="0" indent="0">
+              <a:buNone/>
+            </a:pPr>
+            <a:r>
+              <a:rPr/>
+              <a:t>Syllabus</a:t>
+            </a:r>
+          </a:p>
+        </p:txBody>
+      </p:sp>
+      <p:sp>
+        <p:nvSpPr>
+          <p:cNvPr id="3" name="Content Placeholder 2"/>
+          <p:cNvSpPr>
+            <a:spLocks noGrp="1"/>
+          </p:cNvSpPr>
+          <p:nvPr>
+            <p:ph idx="1"/>
+          </p:nvPr>
+        </p:nvSpPr>
+        <p:spPr/>
+        <p:txBody>
+          <a:bodyPr/>
+          <a:lstStyle/>
+          <a:p>
+            <a:pPr lvl="1"/>
+            <a:r>
+              <a:rPr/>
+              <a:t>Module11, Data management, Learning objectives</a:t>
+            </a:r>
+          </a:p>
+          <a:p>
+            <a:pPr lvl="1">
+              <a:buAutoNum type="arabicPeriod"/>
+            </a:pPr>
+            <a:r>
+              <a:rPr/>
+              <a:t>To understand the value of a data dictionary.</a:t>
+            </a:r>
+          </a:p>
+          <a:p>
+            <a:pPr lvl="1">
+              <a:buAutoNum type="arabicPeriod"/>
+            </a:pPr>
+            <a:r>
+              <a:rPr/>
+              <a:t>To identify how best to store dates and missing value codes.</a:t>
+            </a:r>
+          </a:p>
+          <a:p>
+            <a:pPr lvl="1">
+              <a:buAutoNum type="arabicPeriod"/>
+            </a:pPr>
+            <a:r>
+              <a:rPr/>
+              <a:t>To describe the strengths and weaknesses of storing data in a spreadsheet.</a:t>
+            </a:r>
+          </a:p>
+        </p:txBody>
+      </p:sp>
+    </p:spTree>
+  </p:cSld>
+</p:sld>
+</file>
+
+<file path=ppt/slides/slide39.xml><?xml version="1.0" encoding="utf-8"?>
+<p:sld xmlns:a="http://schemas.openxmlformats.org/drawingml/2006/main" xmlns:r="http://schemas.openxmlformats.org/officeDocument/2006/relationships" xmlns:p="http://schemas.openxmlformats.org/presentationml/2006/main">
+  <p:cSld>
+    <p:spTree>
+      <p:nvGrpSpPr>
+        <p:cNvPr id="1" name=""/>
+        <p:cNvGrpSpPr/>
+        <p:nvPr/>
+      </p:nvGrpSpPr>
+      <p:grpSpPr>
+        <a:xfrm>
+          <a:off x="0" y="0"/>
+          <a:ext cx="0" cy="0"/>
+          <a:chOff x="0" y="0"/>
+          <a:chExt cx="0" cy="0"/>
+        </a:xfrm>
+      </p:grpSpPr>
+      <p:sp>
+        <p:nvSpPr>
+          <p:cNvPr id="2" name="Title 1"/>
+          <p:cNvSpPr>
+            <a:spLocks noGrp="1"/>
+          </p:cNvSpPr>
+          <p:nvPr>
+            <p:ph type="title"/>
+          </p:nvPr>
+        </p:nvSpPr>
+        <p:spPr/>
+        <p:txBody>
+          <a:bodyPr/>
+          <a:lstStyle/>
+          <a:p>
+            <a:pPr lvl="0" marL="0" indent="0">
+              <a:buNone/>
+            </a:pPr>
+            <a:r>
+              <a:rPr/>
+              <a:t>Syllabus</a:t>
+            </a:r>
+          </a:p>
+        </p:txBody>
+      </p:sp>
+      <p:sp>
+        <p:nvSpPr>
+          <p:cNvPr id="3" name="Content Placeholder 2"/>
+          <p:cNvSpPr>
+            <a:spLocks noGrp="1"/>
+          </p:cNvSpPr>
+          <p:nvPr>
+            <p:ph idx="1"/>
+          </p:nvPr>
+        </p:nvSpPr>
+        <p:spPr/>
+        <p:txBody>
+          <a:bodyPr/>
+          <a:lstStyle/>
+          <a:p>
+            <a:pPr lvl="1"/>
+            <a:r>
+              <a:rPr/>
+              <a:t>Module12, Hypothesis testing, Learning objectives</a:t>
+            </a:r>
+          </a:p>
+          <a:p>
+            <a:pPr lvl="1">
+              <a:buAutoNum type="arabicPeriod"/>
+            </a:pPr>
+            <a:r>
+              <a:rPr/>
+              <a:t>To discuss the goal of data analysis and interpretation in research projects</a:t>
+            </a:r>
+          </a:p>
+          <a:p>
+            <a:pPr lvl="1">
+              <a:buAutoNum type="arabicPeriod"/>
+            </a:pPr>
+            <a:r>
+              <a:rPr/>
+              <a:t>To discuss statistical power and how to determine it</a:t>
+            </a:r>
+          </a:p>
+          <a:p>
+            <a:pPr lvl="1">
+              <a:buAutoNum type="arabicPeriod"/>
+            </a:pPr>
+            <a:r>
+              <a:rPr/>
+              <a:t>To describe what is needed in order to determine sample size for a research project</a:t>
+            </a:r>
+          </a:p>
+        </p:txBody>
+      </p:sp>
+    </p:spTree>
+  </p:cSld>
+</p:sld>
+</file>
+
 <file path=ppt/slides/slide4.xml><?xml version="1.0" encoding="utf-8"?>
 <p:sld xmlns:a="http://schemas.openxmlformats.org/drawingml/2006/main" xmlns:r="http://schemas.openxmlformats.org/officeDocument/2006/relationships" xmlns:p="http://schemas.openxmlformats.org/presentationml/2006/main">
   <p:cSld>
@@ -4993,6 +6253,832 @@
                 <a:hlinkClick r:id="rId2"/>
               </a:rPr>
               <a:t>simons@umkc.edu</a:t>
+            </a:r>
+          </a:p>
+        </p:txBody>
+      </p:sp>
+    </p:spTree>
+  </p:cSld>
+</p:sld>
+</file>
+
+<file path=ppt/slides/slide40.xml><?xml version="1.0" encoding="utf-8"?>
+<p:sld xmlns:a="http://schemas.openxmlformats.org/drawingml/2006/main" xmlns:r="http://schemas.openxmlformats.org/officeDocument/2006/relationships" xmlns:p="http://schemas.openxmlformats.org/presentationml/2006/main">
+  <p:cSld>
+    <p:spTree>
+      <p:nvGrpSpPr>
+        <p:cNvPr id="1" name=""/>
+        <p:cNvGrpSpPr/>
+        <p:nvPr/>
+      </p:nvGrpSpPr>
+      <p:grpSpPr>
+        <a:xfrm>
+          <a:off x="0" y="0"/>
+          <a:ext cx="0" cy="0"/>
+          <a:chOff x="0" y="0"/>
+          <a:chExt cx="0" cy="0"/>
+        </a:xfrm>
+      </p:grpSpPr>
+      <p:sp>
+        <p:nvSpPr>
+          <p:cNvPr id="2" name="Title 1"/>
+          <p:cNvSpPr>
+            <a:spLocks noGrp="1"/>
+          </p:cNvSpPr>
+          <p:nvPr>
+            <p:ph type="title"/>
+          </p:nvPr>
+        </p:nvSpPr>
+        <p:spPr/>
+        <p:txBody>
+          <a:bodyPr/>
+          <a:lstStyle/>
+          <a:p>
+            <a:pPr lvl="0" marL="0" indent="0">
+              <a:buNone/>
+            </a:pPr>
+            <a:r>
+              <a:rPr/>
+              <a:t>Syllabus</a:t>
+            </a:r>
+          </a:p>
+        </p:txBody>
+      </p:sp>
+      <p:sp>
+        <p:nvSpPr>
+          <p:cNvPr id="3" name="Content Placeholder 2"/>
+          <p:cNvSpPr>
+            <a:spLocks noGrp="1"/>
+          </p:cNvSpPr>
+          <p:nvPr>
+            <p:ph idx="1"/>
+          </p:nvPr>
+        </p:nvSpPr>
+        <p:spPr/>
+        <p:txBody>
+          <a:bodyPr/>
+          <a:lstStyle/>
+          <a:p>
+            <a:pPr lvl="1"/>
+            <a:r>
+              <a:rPr/>
+              <a:t>Module13, Statistical models and writing a methods section, Learning objectives</a:t>
+            </a:r>
+          </a:p>
+          <a:p>
+            <a:pPr lvl="1">
+              <a:buAutoNum type="arabicPeriod"/>
+            </a:pPr>
+            <a:r>
+              <a:rPr/>
+              <a:t>To demonstrate knowledge of data analysis basic concepts</a:t>
+            </a:r>
+          </a:p>
+          <a:p>
+            <a:pPr lvl="1">
+              <a:buAutoNum type="arabicPeriod"/>
+            </a:pPr>
+            <a:r>
+              <a:rPr/>
+              <a:t>To describe analysis methods appropriate for exploratory, descriptive, explanatory, and quasi-experimental designs</a:t>
+            </a:r>
+          </a:p>
+        </p:txBody>
+      </p:sp>
+    </p:spTree>
+  </p:cSld>
+</p:sld>
+</file>
+
+<file path=ppt/slides/slide41.xml><?xml version="1.0" encoding="utf-8"?>
+<p:sld xmlns:a="http://schemas.openxmlformats.org/drawingml/2006/main" xmlns:r="http://schemas.openxmlformats.org/officeDocument/2006/relationships" xmlns:p="http://schemas.openxmlformats.org/presentationml/2006/main">
+  <p:cSld>
+    <p:spTree>
+      <p:nvGrpSpPr>
+        <p:cNvPr id="1" name=""/>
+        <p:cNvGrpSpPr/>
+        <p:nvPr/>
+      </p:nvGrpSpPr>
+      <p:grpSpPr>
+        <a:xfrm>
+          <a:off x="0" y="0"/>
+          <a:ext cx="0" cy="0"/>
+          <a:chOff x="0" y="0"/>
+          <a:chExt cx="0" cy="0"/>
+        </a:xfrm>
+      </p:grpSpPr>
+      <p:sp>
+        <p:nvSpPr>
+          <p:cNvPr id="2" name="Title 1"/>
+          <p:cNvSpPr>
+            <a:spLocks noGrp="1"/>
+          </p:cNvSpPr>
+          <p:nvPr>
+            <p:ph type="title"/>
+          </p:nvPr>
+        </p:nvSpPr>
+        <p:spPr/>
+        <p:txBody>
+          <a:bodyPr/>
+          <a:lstStyle/>
+          <a:p>
+            <a:pPr lvl="0" marL="0" indent="0">
+              <a:buNone/>
+            </a:pPr>
+            <a:r>
+              <a:rPr/>
+              <a:t>Syllabus</a:t>
+            </a:r>
+          </a:p>
+        </p:txBody>
+      </p:sp>
+      <p:sp>
+        <p:nvSpPr>
+          <p:cNvPr id="3" name="Content Placeholder 2"/>
+          <p:cNvSpPr>
+            <a:spLocks noGrp="1"/>
+          </p:cNvSpPr>
+          <p:nvPr>
+            <p:ph idx="1"/>
+          </p:nvPr>
+        </p:nvSpPr>
+        <p:spPr/>
+        <p:txBody>
+          <a:bodyPr/>
+          <a:lstStyle/>
+          <a:p>
+            <a:pPr lvl="1"/>
+            <a:r>
+              <a:rPr/>
+              <a:t>Key Dates for Spring semester, 2021 (16-week session only)</a:t>
+            </a:r>
+          </a:p>
+          <a:p>
+            <a:pPr lvl="2"/>
+            <a:r>
+              <a:rPr/>
+              <a:t>Please verify these dates on the </a:t>
+            </a:r>
+            <a:r>
+              <a:rPr>
+                <a:hlinkClick r:id="rId2"/>
+              </a:rPr>
+              <a:t>UMKC academic calendar</a:t>
+            </a:r>
+            <a:r>
+              <a:rPr/>
+              <a:t>. If you notice a discrepancy, let me know. The UMKC academic calendar always takes precedence.</a:t>
+            </a:r>
+          </a:p>
+        </p:txBody>
+      </p:sp>
+    </p:spTree>
+  </p:cSld>
+</p:sld>
+</file>
+
+<file path=ppt/slides/slide42.xml><?xml version="1.0" encoding="utf-8"?>
+<p:sld xmlns:a="http://schemas.openxmlformats.org/drawingml/2006/main" xmlns:r="http://schemas.openxmlformats.org/officeDocument/2006/relationships" xmlns:p="http://schemas.openxmlformats.org/presentationml/2006/main">
+  <p:cSld>
+    <p:spTree>
+      <p:nvGrpSpPr>
+        <p:cNvPr id="1" name=""/>
+        <p:cNvGrpSpPr/>
+        <p:nvPr/>
+      </p:nvGrpSpPr>
+      <p:grpSpPr>
+        <a:xfrm>
+          <a:off x="0" y="0"/>
+          <a:ext cx="0" cy="0"/>
+          <a:chOff x="0" y="0"/>
+          <a:chExt cx="0" cy="0"/>
+        </a:xfrm>
+      </p:grpSpPr>
+      <p:sp>
+        <p:nvSpPr>
+          <p:cNvPr id="2" name="Title 1"/>
+          <p:cNvSpPr>
+            <a:spLocks noGrp="1"/>
+          </p:cNvSpPr>
+          <p:nvPr>
+            <p:ph type="title"/>
+          </p:nvPr>
+        </p:nvSpPr>
+        <p:spPr/>
+        <p:txBody>
+          <a:bodyPr/>
+          <a:lstStyle/>
+          <a:p>
+            <a:pPr lvl="0" marL="0" indent="0">
+              <a:buNone/>
+            </a:pPr>
+            <a:r>
+              <a:rPr/>
+              <a:t>Syllabus</a:t>
+            </a:r>
+          </a:p>
+        </p:txBody>
+      </p:sp>
+      <p:sp>
+        <p:nvSpPr>
+          <p:cNvPr id="3" name="Content Placeholder 2"/>
+          <p:cNvSpPr>
+            <a:spLocks noGrp="1"/>
+          </p:cNvSpPr>
+          <p:nvPr>
+            <p:ph idx="1"/>
+          </p:nvPr>
+        </p:nvSpPr>
+        <p:spPr/>
+        <p:txBody>
+          <a:bodyPr/>
+          <a:lstStyle/>
+          <a:p>
+            <a:pPr lvl="1"/>
+            <a:r>
+              <a:rPr/>
+              <a:t>2021-01-19 (Tuesday)</a:t>
+            </a:r>
+          </a:p>
+          <a:p>
+            <a:pPr lvl="2"/>
+            <a:r>
+              <a:rPr/>
+              <a:t>Coursework begins</a:t>
+            </a:r>
+          </a:p>
+        </p:txBody>
+      </p:sp>
+    </p:spTree>
+  </p:cSld>
+</p:sld>
+</file>
+
+<file path=ppt/slides/slide43.xml><?xml version="1.0" encoding="utf-8"?>
+<p:sld xmlns:a="http://schemas.openxmlformats.org/drawingml/2006/main" xmlns:r="http://schemas.openxmlformats.org/officeDocument/2006/relationships" xmlns:p="http://schemas.openxmlformats.org/presentationml/2006/main">
+  <p:cSld>
+    <p:spTree>
+      <p:nvGrpSpPr>
+        <p:cNvPr id="1" name=""/>
+        <p:cNvGrpSpPr/>
+        <p:nvPr/>
+      </p:nvGrpSpPr>
+      <p:grpSpPr>
+        <a:xfrm>
+          <a:off x="0" y="0"/>
+          <a:ext cx="0" cy="0"/>
+          <a:chOff x="0" y="0"/>
+          <a:chExt cx="0" cy="0"/>
+        </a:xfrm>
+      </p:grpSpPr>
+      <p:sp>
+        <p:nvSpPr>
+          <p:cNvPr id="2" name="Title 1"/>
+          <p:cNvSpPr>
+            <a:spLocks noGrp="1"/>
+          </p:cNvSpPr>
+          <p:nvPr>
+            <p:ph type="title"/>
+          </p:nvPr>
+        </p:nvSpPr>
+        <p:spPr/>
+        <p:txBody>
+          <a:bodyPr/>
+          <a:lstStyle/>
+          <a:p>
+            <a:pPr lvl="0" marL="0" indent="0">
+              <a:buNone/>
+            </a:pPr>
+            <a:r>
+              <a:rPr/>
+              <a:t>Syllabus</a:t>
+            </a:r>
+          </a:p>
+        </p:txBody>
+      </p:sp>
+      <p:sp>
+        <p:nvSpPr>
+          <p:cNvPr id="3" name="Content Placeholder 2"/>
+          <p:cNvSpPr>
+            <a:spLocks noGrp="1"/>
+          </p:cNvSpPr>
+          <p:nvPr>
+            <p:ph idx="1"/>
+          </p:nvPr>
+        </p:nvSpPr>
+        <p:spPr/>
+        <p:txBody>
+          <a:bodyPr/>
+          <a:lstStyle/>
+          <a:p>
+            <a:pPr lvl="1"/>
+            <a:r>
+              <a:rPr/>
+              <a:t>2021-01-25 (Monday)</a:t>
+            </a:r>
+          </a:p>
+          <a:p>
+            <a:pPr lvl="2"/>
+            <a:r>
+              <a:rPr/>
+              <a:t>Last day to add without an instructor signature</a:t>
+            </a:r>
+          </a:p>
+          <a:p>
+            <a:pPr lvl="2"/>
+            <a:r>
+              <a:rPr/>
+              <a:t>Last day for 100% refund</a:t>
+            </a:r>
+          </a:p>
+          <a:p>
+            <a:pPr lvl="2"/>
+            <a:r>
+              <a:rPr/>
+              <a:t>Last day to register without paying a late registration fee</a:t>
+            </a:r>
+          </a:p>
+        </p:txBody>
+      </p:sp>
+    </p:spTree>
+  </p:cSld>
+</p:sld>
+</file>
+
+<file path=ppt/slides/slide44.xml><?xml version="1.0" encoding="utf-8"?>
+<p:sld xmlns:a="http://schemas.openxmlformats.org/drawingml/2006/main" xmlns:r="http://schemas.openxmlformats.org/officeDocument/2006/relationships" xmlns:p="http://schemas.openxmlformats.org/presentationml/2006/main">
+  <p:cSld>
+    <p:spTree>
+      <p:nvGrpSpPr>
+        <p:cNvPr id="1" name=""/>
+        <p:cNvGrpSpPr/>
+        <p:nvPr/>
+      </p:nvGrpSpPr>
+      <p:grpSpPr>
+        <a:xfrm>
+          <a:off x="0" y="0"/>
+          <a:ext cx="0" cy="0"/>
+          <a:chOff x="0" y="0"/>
+          <a:chExt cx="0" cy="0"/>
+        </a:xfrm>
+      </p:grpSpPr>
+      <p:sp>
+        <p:nvSpPr>
+          <p:cNvPr id="2" name="Title 1"/>
+          <p:cNvSpPr>
+            <a:spLocks noGrp="1"/>
+          </p:cNvSpPr>
+          <p:nvPr>
+            <p:ph type="title"/>
+          </p:nvPr>
+        </p:nvSpPr>
+        <p:spPr/>
+        <p:txBody>
+          <a:bodyPr/>
+          <a:lstStyle/>
+          <a:p>
+            <a:pPr lvl="0" marL="0" indent="0">
+              <a:buNone/>
+            </a:pPr>
+            <a:r>
+              <a:rPr/>
+              <a:t>Syllabus</a:t>
+            </a:r>
+          </a:p>
+        </p:txBody>
+      </p:sp>
+      <p:sp>
+        <p:nvSpPr>
+          <p:cNvPr id="3" name="Content Placeholder 2"/>
+          <p:cNvSpPr>
+            <a:spLocks noGrp="1"/>
+          </p:cNvSpPr>
+          <p:nvPr>
+            <p:ph idx="1"/>
+          </p:nvPr>
+        </p:nvSpPr>
+        <p:spPr/>
+        <p:txBody>
+          <a:bodyPr/>
+          <a:lstStyle/>
+          <a:p>
+            <a:pPr lvl="1"/>
+            <a:r>
+              <a:rPr/>
+              <a:t>2021-02-15 (Monday)</a:t>
+            </a:r>
+          </a:p>
+          <a:p>
+            <a:pPr lvl="2"/>
+            <a:r>
+              <a:rPr/>
+              <a:t>Last day for 50% refund</a:t>
+            </a:r>
+          </a:p>
+          <a:p>
+            <a:pPr lvl="2"/>
+            <a:r>
+              <a:rPr/>
+              <a:t>Last day to drop a class and not have it appear on your transcript</a:t>
+            </a:r>
+          </a:p>
+        </p:txBody>
+      </p:sp>
+    </p:spTree>
+  </p:cSld>
+</p:sld>
+</file>
+
+<file path=ppt/slides/slide45.xml><?xml version="1.0" encoding="utf-8"?>
+<p:sld xmlns:a="http://schemas.openxmlformats.org/drawingml/2006/main" xmlns:r="http://schemas.openxmlformats.org/officeDocument/2006/relationships" xmlns:p="http://schemas.openxmlformats.org/presentationml/2006/main">
+  <p:cSld>
+    <p:spTree>
+      <p:nvGrpSpPr>
+        <p:cNvPr id="1" name=""/>
+        <p:cNvGrpSpPr/>
+        <p:nvPr/>
+      </p:nvGrpSpPr>
+      <p:grpSpPr>
+        <a:xfrm>
+          <a:off x="0" y="0"/>
+          <a:ext cx="0" cy="0"/>
+          <a:chOff x="0" y="0"/>
+          <a:chExt cx="0" cy="0"/>
+        </a:xfrm>
+      </p:grpSpPr>
+      <p:sp>
+        <p:nvSpPr>
+          <p:cNvPr id="2" name="Title 1"/>
+          <p:cNvSpPr>
+            <a:spLocks noGrp="1"/>
+          </p:cNvSpPr>
+          <p:nvPr>
+            <p:ph type="title"/>
+          </p:nvPr>
+        </p:nvSpPr>
+        <p:spPr/>
+        <p:txBody>
+          <a:bodyPr/>
+          <a:lstStyle/>
+          <a:p>
+            <a:pPr lvl="0" marL="0" indent="0">
+              <a:buNone/>
+            </a:pPr>
+            <a:r>
+              <a:rPr/>
+              <a:t>Syllabus</a:t>
+            </a:r>
+          </a:p>
+        </p:txBody>
+      </p:sp>
+      <p:sp>
+        <p:nvSpPr>
+          <p:cNvPr id="3" name="Content Placeholder 2"/>
+          <p:cNvSpPr>
+            <a:spLocks noGrp="1"/>
+          </p:cNvSpPr>
+          <p:nvPr>
+            <p:ph idx="1"/>
+          </p:nvPr>
+        </p:nvSpPr>
+        <p:spPr/>
+        <p:txBody>
+          <a:bodyPr/>
+          <a:lstStyle/>
+          <a:p>
+            <a:pPr lvl="1"/>
+            <a:r>
+              <a:rPr/>
+              <a:t>2021-03-12 (Friday)</a:t>
+            </a:r>
+          </a:p>
+          <a:p>
+            <a:pPr lvl="2"/>
+            <a:r>
+              <a:rPr/>
+              <a:t>Last day for 25% refund</a:t>
+            </a:r>
+          </a:p>
+          <a:p>
+            <a:pPr lvl="2"/>
+            <a:r>
+              <a:rPr/>
+              <a:t>Last day to withdraw with a W (graduate/professional)</a:t>
+            </a:r>
+          </a:p>
+        </p:txBody>
+      </p:sp>
+    </p:spTree>
+  </p:cSld>
+</p:sld>
+</file>
+
+<file path=ppt/slides/slide46.xml><?xml version="1.0" encoding="utf-8"?>
+<p:sld xmlns:a="http://schemas.openxmlformats.org/drawingml/2006/main" xmlns:r="http://schemas.openxmlformats.org/officeDocument/2006/relationships" xmlns:p="http://schemas.openxmlformats.org/presentationml/2006/main">
+  <p:cSld>
+    <p:spTree>
+      <p:nvGrpSpPr>
+        <p:cNvPr id="1" name=""/>
+        <p:cNvGrpSpPr/>
+        <p:nvPr/>
+      </p:nvGrpSpPr>
+      <p:grpSpPr>
+        <a:xfrm>
+          <a:off x="0" y="0"/>
+          <a:ext cx="0" cy="0"/>
+          <a:chOff x="0" y="0"/>
+          <a:chExt cx="0" cy="0"/>
+        </a:xfrm>
+      </p:grpSpPr>
+      <p:sp>
+        <p:nvSpPr>
+          <p:cNvPr id="2" name="Title 1"/>
+          <p:cNvSpPr>
+            <a:spLocks noGrp="1"/>
+          </p:cNvSpPr>
+          <p:nvPr>
+            <p:ph type="title"/>
+          </p:nvPr>
+        </p:nvSpPr>
+        <p:spPr/>
+        <p:txBody>
+          <a:bodyPr/>
+          <a:lstStyle/>
+          <a:p>
+            <a:pPr lvl="0" marL="0" indent="0">
+              <a:buNone/>
+            </a:pPr>
+            <a:r>
+              <a:rPr/>
+              <a:t>Syllabus</a:t>
+            </a:r>
+          </a:p>
+        </p:txBody>
+      </p:sp>
+      <p:sp>
+        <p:nvSpPr>
+          <p:cNvPr id="3" name="Content Placeholder 2"/>
+          <p:cNvSpPr>
+            <a:spLocks noGrp="1"/>
+          </p:cNvSpPr>
+          <p:nvPr>
+            <p:ph idx="1"/>
+          </p:nvPr>
+        </p:nvSpPr>
+        <p:spPr/>
+        <p:txBody>
+          <a:bodyPr/>
+          <a:lstStyle/>
+          <a:p>
+            <a:pPr lvl="1"/>
+            <a:r>
+              <a:rPr/>
+              <a:t>2021-30-29 (Monday)</a:t>
+            </a:r>
+          </a:p>
+          <a:p>
+            <a:pPr lvl="2"/>
+            <a:r>
+              <a:rPr/>
+              <a:t>First day of Spring Break (no classes)</a:t>
+            </a:r>
+          </a:p>
+        </p:txBody>
+      </p:sp>
+    </p:spTree>
+  </p:cSld>
+</p:sld>
+</file>
+
+<file path=ppt/slides/slide47.xml><?xml version="1.0" encoding="utf-8"?>
+<p:sld xmlns:a="http://schemas.openxmlformats.org/drawingml/2006/main" xmlns:r="http://schemas.openxmlformats.org/officeDocument/2006/relationships" xmlns:p="http://schemas.openxmlformats.org/presentationml/2006/main">
+  <p:cSld>
+    <p:spTree>
+      <p:nvGrpSpPr>
+        <p:cNvPr id="1" name=""/>
+        <p:cNvGrpSpPr/>
+        <p:nvPr/>
+      </p:nvGrpSpPr>
+      <p:grpSpPr>
+        <a:xfrm>
+          <a:off x="0" y="0"/>
+          <a:ext cx="0" cy="0"/>
+          <a:chOff x="0" y="0"/>
+          <a:chExt cx="0" cy="0"/>
+        </a:xfrm>
+      </p:grpSpPr>
+      <p:sp>
+        <p:nvSpPr>
+          <p:cNvPr id="2" name="Title 1"/>
+          <p:cNvSpPr>
+            <a:spLocks noGrp="1"/>
+          </p:cNvSpPr>
+          <p:nvPr>
+            <p:ph type="title"/>
+          </p:nvPr>
+        </p:nvSpPr>
+        <p:spPr/>
+        <p:txBody>
+          <a:bodyPr/>
+          <a:lstStyle/>
+          <a:p>
+            <a:pPr lvl="0" marL="0" indent="0">
+              <a:buNone/>
+            </a:pPr>
+            <a:r>
+              <a:rPr/>
+              <a:t>Syllabus</a:t>
+            </a:r>
+          </a:p>
+        </p:txBody>
+      </p:sp>
+      <p:sp>
+        <p:nvSpPr>
+          <p:cNvPr id="3" name="Content Placeholder 2"/>
+          <p:cNvSpPr>
+            <a:spLocks noGrp="1"/>
+          </p:cNvSpPr>
+          <p:nvPr>
+            <p:ph idx="1"/>
+          </p:nvPr>
+        </p:nvSpPr>
+        <p:spPr/>
+        <p:txBody>
+          <a:bodyPr/>
+          <a:lstStyle/>
+          <a:p>
+            <a:pPr lvl="1"/>
+            <a:r>
+              <a:rPr/>
+              <a:t>2021-04-02 (Friday)</a:t>
+            </a:r>
+          </a:p>
+          <a:p>
+            <a:pPr lvl="2"/>
+            <a:r>
+              <a:rPr/>
+              <a:t>Last day of Spring Break (no classes)</a:t>
+            </a:r>
+          </a:p>
+        </p:txBody>
+      </p:sp>
+    </p:spTree>
+  </p:cSld>
+</p:sld>
+</file>
+
+<file path=ppt/slides/slide48.xml><?xml version="1.0" encoding="utf-8"?>
+<p:sld xmlns:a="http://schemas.openxmlformats.org/drawingml/2006/main" xmlns:r="http://schemas.openxmlformats.org/officeDocument/2006/relationships" xmlns:p="http://schemas.openxmlformats.org/presentationml/2006/main">
+  <p:cSld>
+    <p:spTree>
+      <p:nvGrpSpPr>
+        <p:cNvPr id="1" name=""/>
+        <p:cNvGrpSpPr/>
+        <p:nvPr/>
+      </p:nvGrpSpPr>
+      <p:grpSpPr>
+        <a:xfrm>
+          <a:off x="0" y="0"/>
+          <a:ext cx="0" cy="0"/>
+          <a:chOff x="0" y="0"/>
+          <a:chExt cx="0" cy="0"/>
+        </a:xfrm>
+      </p:grpSpPr>
+      <p:sp>
+        <p:nvSpPr>
+          <p:cNvPr id="2" name="Title 1"/>
+          <p:cNvSpPr>
+            <a:spLocks noGrp="1"/>
+          </p:cNvSpPr>
+          <p:nvPr>
+            <p:ph type="title"/>
+          </p:nvPr>
+        </p:nvSpPr>
+        <p:spPr/>
+        <p:txBody>
+          <a:bodyPr/>
+          <a:lstStyle/>
+          <a:p>
+            <a:pPr lvl="0" marL="0" indent="0">
+              <a:buNone/>
+            </a:pPr>
+            <a:r>
+              <a:rPr/>
+              <a:t>Syllabus</a:t>
+            </a:r>
+          </a:p>
+        </p:txBody>
+      </p:sp>
+      <p:sp>
+        <p:nvSpPr>
+          <p:cNvPr id="3" name="Content Placeholder 2"/>
+          <p:cNvSpPr>
+            <a:spLocks noGrp="1"/>
+          </p:cNvSpPr>
+          <p:nvPr>
+            <p:ph idx="1"/>
+          </p:nvPr>
+        </p:nvSpPr>
+        <p:spPr/>
+        <p:txBody>
+          <a:bodyPr/>
+          <a:lstStyle/>
+          <a:p>
+            <a:pPr lvl="1"/>
+            <a:r>
+              <a:rPr/>
+              <a:t>2021-04-16 (Friday)</a:t>
+            </a:r>
+          </a:p>
+          <a:p>
+            <a:pPr lvl="2"/>
+            <a:r>
+              <a:rPr/>
+              <a:t>Last day to withdraw with a â€œWâ€ (undergraduate)</a:t>
+            </a:r>
+          </a:p>
+        </p:txBody>
+      </p:sp>
+    </p:spTree>
+  </p:cSld>
+</p:sld>
+</file>
+
+<file path=ppt/slides/slide49.xml><?xml version="1.0" encoding="utf-8"?>
+<p:sld xmlns:a="http://schemas.openxmlformats.org/drawingml/2006/main" xmlns:r="http://schemas.openxmlformats.org/officeDocument/2006/relationships" xmlns:p="http://schemas.openxmlformats.org/presentationml/2006/main">
+  <p:cSld>
+    <p:spTree>
+      <p:nvGrpSpPr>
+        <p:cNvPr id="1" name=""/>
+        <p:cNvGrpSpPr/>
+        <p:nvPr/>
+      </p:nvGrpSpPr>
+      <p:grpSpPr>
+        <a:xfrm>
+          <a:off x="0" y="0"/>
+          <a:ext cx="0" cy="0"/>
+          <a:chOff x="0" y="0"/>
+          <a:chExt cx="0" cy="0"/>
+        </a:xfrm>
+      </p:grpSpPr>
+      <p:sp>
+        <p:nvSpPr>
+          <p:cNvPr id="2" name="Title 1"/>
+          <p:cNvSpPr>
+            <a:spLocks noGrp="1"/>
+          </p:cNvSpPr>
+          <p:nvPr>
+            <p:ph type="title"/>
+          </p:nvPr>
+        </p:nvSpPr>
+        <p:spPr/>
+        <p:txBody>
+          <a:bodyPr/>
+          <a:lstStyle/>
+          <a:p>
+            <a:pPr lvl="0" marL="0" indent="0">
+              <a:buNone/>
+            </a:pPr>
+            <a:r>
+              <a:rPr/>
+              <a:t>Syllabus</a:t>
+            </a:r>
+          </a:p>
+        </p:txBody>
+      </p:sp>
+      <p:sp>
+        <p:nvSpPr>
+          <p:cNvPr id="3" name="Content Placeholder 2"/>
+          <p:cNvSpPr>
+            <a:spLocks noGrp="1"/>
+          </p:cNvSpPr>
+          <p:nvPr>
+            <p:ph idx="1"/>
+          </p:nvPr>
+        </p:nvSpPr>
+        <p:spPr/>
+        <p:txBody>
+          <a:bodyPr/>
+          <a:lstStyle/>
+          <a:p>
+            <a:pPr lvl="1"/>
+            <a:r>
+              <a:rPr/>
+              <a:t>2021-05-07 (Friday)</a:t>
+            </a:r>
+          </a:p>
+          <a:p>
+            <a:pPr lvl="2"/>
+            <a:r>
+              <a:rPr/>
+              <a:t>Last day to withdraw with a â€œWâ€ (graduate/professional)</a:t>
+            </a:r>
+          </a:p>
+          <a:p>
+            <a:pPr lvl="2"/>
+            <a:r>
+              <a:rPr/>
+              <a:t>Last day of classes</a:t>
             </a:r>
           </a:p>
         </p:txBody>
@@ -5377,7 +7463,14 @@
             <a:pPr lvl="2"/>
             <a:r>
               <a:rPr/>
-              <a:t>MEDB 5510</a:t>
+              <a:t>MEDB 5510-0002 (14190)</a:t>
+            </a:r>
+          </a:p>
+          <a:p>
+            <a:pPr lvl="2"/>
+            <a:r>
+              <a:rPr/>
+              <a:t>MEDB 5510-0003 (15776)</a:t>
             </a:r>
           </a:p>
         </p:txBody>
